--- a/Slides/PPTs/Aza - Dua Kumayl.pptx
+++ b/Slides/PPTs/Aza - Dua Kumayl.pptx
@@ -9,8 +9,8 @@
   </p:notesMasterIdLst>
   <p:sldIdLst>
     <p:sldId id="262" r:id="rId2"/>
-    <p:sldId id="5696" r:id="rId3"/>
-    <p:sldId id="5697" r:id="rId4"/>
+    <p:sldId id="5441" r:id="rId3"/>
+    <p:sldId id="5042" r:id="rId4"/>
     <p:sldId id="5442" r:id="rId5"/>
     <p:sldId id="5444" r:id="rId6"/>
     <p:sldId id="5448" r:id="rId7"/>
@@ -460,7 +460,7 @@
           <a:p>
             <a:fld id="{F192BFF6-EB1E-4216-AE1F-8531F2060E7A}" type="datetimeFigureOut">
               <a:rPr lang="en-CA" smtClean="0"/>
-              <a:t>2024-01-25</a:t>
+              <a:t>2024-03-15</a:t>
             </a:fld>
             <a:endParaRPr lang="en-CA"/>
           </a:p>
@@ -2722,15 +2722,7 @@
           <a:p>
             <a:r>
               <a:rPr lang="en-US" dirty="0"/>
-              <a:t>Whether You </a:t>
-            </a:r>
-            <a:r>
-              <a:rPr lang="en-US" dirty="0" err="1"/>
-              <a:t>wilt</a:t>
-            </a:r>
-            <a:r>
-              <a:rPr lang="en-US" dirty="0"/>
-              <a:t> give the Fire dominion over faces fallen down prostrate before Your Tremendousness,</a:t>
+              <a:t>Whether You will give the Fire dominion over faces fallen down prostrate before Your Tremendousness,</a:t>
             </a:r>
           </a:p>
         </p:txBody>
@@ -2813,7 +2805,14 @@
             </a:r>
             <a:r>
               <a:rPr lang="ar-SA" dirty="0"/>
-              <a:t> صَادِقَةً وَبِشُكْرِكَ مَادِحَةً</a:t>
+              <a:t> صَادِقَةً</a:t>
+            </a:r>
+            <a:br>
+              <a:rPr lang="ar-SA" dirty="0"/>
+            </a:br>
+            <a:r>
+              <a:rPr lang="ar-SA" dirty="0"/>
+              <a:t>وَبِشُكْرِكَ مَادِحَةً</a:t>
             </a:r>
           </a:p>
         </p:txBody>
@@ -3045,8 +3044,11 @@
             </a:r>
             <a:r>
               <a:rPr lang="ar-SA" dirty="0"/>
-              <a:t> ضَمَائِرَ حَوَتْ مِنَ الْعِلْمِ بِكَ </a:t>
-            </a:r>
+              <a:t> ضَمَائِرَ حَوَتْ مِنَ الْعِلْمِ بِكَ</a:t>
+            </a:r>
+            <a:br>
+              <a:rPr lang="ar-SA" dirty="0"/>
+            </a:br>
             <a:r>
               <a:rPr lang="ar-SA" dirty="0" err="1"/>
               <a:t>حَتّٰی</a:t>
@@ -3169,7 +3171,14 @@
             </a:r>
             <a:r>
               <a:rPr lang="ar-SA" dirty="0"/>
-              <a:t> أَوْطَانِ تَعَبُّدِكَ طَائِعَةً وَأَشَارَتْ بِاسْتِغْفَارِكَ مُذْعِنَةً</a:t>
+              <a:t> أَوْطَانِ تَعَبُّدِكَ طَائِعَةً</a:t>
+            </a:r>
+            <a:br>
+              <a:rPr lang="ar-SA" dirty="0"/>
+            </a:br>
+            <a:r>
+              <a:rPr lang="ar-SA" dirty="0"/>
+              <a:t>وَأَشَارَتْ بِاسْتِغْفَارِكَ مُذْعِنَةً</a:t>
             </a:r>
           </a:p>
         </p:txBody>
@@ -3499,17 +3508,25 @@
           <a:bodyPr/>
           <a:lstStyle/>
           <a:p>
+            <a:pPr rtl="1"/>
             <a:r>
               <a:rPr lang="ar-SA" dirty="0"/>
               <a:t>وَأَنْتَ تَعْلَمُ </a:t>
             </a:r>
             <a:r>
               <a:rPr lang="ar-SA" dirty="0" err="1"/>
-              <a:t>ضَعْفى</a:t>
-            </a:r>
-            <a:r>
-              <a:rPr lang="ar-SA" dirty="0"/>
-              <a:t> عَنْ قَلِيلٍ مِّنْ بَلَاءِ </a:t>
+              <a:t>ضَعْفِى</a:t>
+            </a:r>
+            <a:r>
+              <a:rPr lang="ar-SA" dirty="0"/>
+              <a:t> عَنْ قَلِيلٍ</a:t>
+            </a:r>
+            <a:br>
+              <a:rPr lang="ar-SA" dirty="0"/>
+            </a:br>
+            <a:r>
+              <a:rPr lang="ar-SA" dirty="0"/>
+              <a:t>مِّنْ بَلَاءِ </a:t>
             </a:r>
             <a:r>
               <a:rPr lang="ar-SA" dirty="0" err="1"/>
@@ -3517,7 +3534,7 @@
             </a:r>
             <a:r>
               <a:rPr lang="ar-SA" dirty="0"/>
-              <a:t> وَ عُقُوبَاتِهَا</a:t>
+              <a:t> وَعُقُوبَاتِهَا</a:t>
             </a:r>
           </a:p>
         </p:txBody>
@@ -3550,7 +3567,7 @@
           <a:p>
             <a:r>
               <a:rPr lang="en-US" dirty="0"/>
-              <a:t>O Allah, I ask You by Your mercy, which embraces all things;</a:t>
+              <a:t>And You knowest my weakness before a little of this world's tribulations and punishments,</a:t>
             </a:r>
           </a:p>
         </p:txBody>
@@ -3862,7 +3879,14 @@
             </a:r>
             <a:r>
               <a:rPr lang="ar-SA" dirty="0"/>
-              <a:t> أَنَّ ذَلِكَ بَلَاءٌ وَ مَكرُوهٌ قَلِيلٌ مَكثُهُ </a:t>
+              <a:t> أَنَّ ذَلِكَ بَلَاءٌ وَمَكرُوهٌ</a:t>
+            </a:r>
+            <a:br>
+              <a:rPr lang="ar-SA" dirty="0"/>
+            </a:br>
+            <a:r>
+              <a:rPr lang="ar-SA" dirty="0"/>
+              <a:t>قَلِيلٌ مَكثُهُ </a:t>
             </a:r>
             <a:r>
               <a:rPr lang="ar-SA" dirty="0" err="1"/>
@@ -3986,7 +4010,14 @@
             </a:r>
             <a:r>
               <a:rPr lang="ar-SA" dirty="0"/>
-              <a:t> احْتِمَالِي لِبَلَاءِ الْآخِرَةِ وَجَلِيلِ وُقُوعِ الْمَكَارِهِ </a:t>
+              <a:t> احْتِمَالِي لِبَلَاءِ الْآخِرَةِ</a:t>
+            </a:r>
+            <a:br>
+              <a:rPr lang="ar-SA" dirty="0"/>
+            </a:br>
+            <a:r>
+              <a:rPr lang="ar-SA" dirty="0"/>
+              <a:t>وَجَلِيلِ وُقُوعِ الْمَكَارِهِ </a:t>
             </a:r>
             <a:r>
               <a:rPr lang="ar-SA" dirty="0" err="1"/>
@@ -4103,8 +4134,11 @@
             </a:r>
             <a:r>
               <a:rPr lang="ar-SA" dirty="0"/>
-              <a:t> مَقَامُهُ </a:t>
-            </a:r>
+              <a:t> مَقَامُهُ</a:t>
+            </a:r>
+            <a:br>
+              <a:rPr lang="ar-SA" dirty="0"/>
+            </a:br>
             <a:r>
               <a:rPr lang="ar-SA" dirty="0" err="1"/>
               <a:t>وَلَایُخَفَّفُ</a:t>
@@ -4571,8 +4605,11 @@
             </a:r>
             <a:r>
               <a:rPr lang="ar-SA" dirty="0"/>
-              <a:t> الذَّلِيلُ </a:t>
-            </a:r>
+              <a:t> الذَّلِيلُ</a:t>
+            </a:r>
+            <a:br>
+              <a:rPr lang="ar-SA" dirty="0"/>
+            </a:br>
             <a:r>
               <a:rPr lang="ar-SA" dirty="0" err="1"/>
               <a:t>الْحَقِیرُ</a:t>
@@ -5386,15 +5423,7 @@
           <a:p>
             <a:r>
               <a:rPr lang="en-US" dirty="0"/>
-              <a:t>So if You </a:t>
-            </a:r>
-            <a:r>
-              <a:rPr lang="en-US" dirty="0" err="1"/>
-              <a:t>takest</a:t>
-            </a:r>
-            <a:r>
-              <a:rPr lang="en-US" dirty="0"/>
-              <a:t> me to the punishments with Your enemies,</a:t>
+              <a:t>So if You take me to the punishments with Your enemies,</a:t>
             </a:r>
           </a:p>
         </p:txBody>
@@ -5514,15 +5543,7 @@
           <a:p>
             <a:r>
               <a:rPr lang="en-US" dirty="0"/>
-              <a:t>And </a:t>
-            </a:r>
-            <a:r>
-              <a:rPr lang="en-US" dirty="0" err="1"/>
-              <a:t>gatherest</a:t>
-            </a:r>
-            <a:r>
-              <a:rPr lang="en-US" dirty="0"/>
-              <a:t> me with the people of Your tribulation</a:t>
+              <a:t>And gather me with the people of Your tribulation</a:t>
             </a:r>
           </a:p>
         </p:txBody>
@@ -5642,15 +5663,7 @@
           <a:p>
             <a:r>
               <a:rPr lang="en-US" dirty="0"/>
-              <a:t>And </a:t>
-            </a:r>
-            <a:r>
-              <a:rPr lang="en-US" dirty="0" err="1"/>
-              <a:t>separatest</a:t>
-            </a:r>
-            <a:r>
-              <a:rPr lang="en-US" dirty="0"/>
-              <a:t> me from Your friends and saints,</a:t>
+              <a:t>And separate me from Your friends and saints,</a:t>
             </a:r>
           </a:p>
         </p:txBody>
@@ -5737,7 +5750,14 @@
             </a:r>
             <a:r>
               <a:rPr lang="ar-SA" dirty="0"/>
-              <a:t> وَمَولَايَ وَرَبِّي صَبَرْتُ </a:t>
+              <a:t> وَمَولَايَ وَرَبِّي</a:t>
+            </a:r>
+            <a:br>
+              <a:rPr lang="ar-SA" dirty="0"/>
+            </a:br>
+            <a:r>
+              <a:rPr lang="ar-SA" dirty="0"/>
+              <a:t>صَبَرْتُ </a:t>
             </a:r>
             <a:r>
               <a:rPr lang="ar-SA" dirty="0" err="1"/>
@@ -5778,7 +5798,7 @@
           <a:p>
             <a:r>
               <a:rPr lang="en-US" dirty="0"/>
-              <a:t>Then suppose, My God, my Master, my Protector and my Lord that I am able to endure Your chastisement,</a:t>
+              <a:t>Then suppose, My God, my Master, my Protector, and my Lord, that I am able to endure Your chastisement,</a:t>
             </a:r>
           </a:p>
         </p:txBody>
@@ -5894,7 +5914,7 @@
           <a:p>
             <a:r>
               <a:rPr lang="en-US" dirty="0"/>
-              <a:t>How can I endure separation from You?</a:t>
+              <a:t>But how can I endure separation from You?</a:t>
             </a:r>
           </a:p>
         </p:txBody>
@@ -6122,7 +6142,7 @@
           <a:p>
             <a:r>
               <a:rPr lang="en-US" dirty="0"/>
-              <a:t>How can I endure not gazing upon Your generosity?</a:t>
+              <a:t>But how can I endure not gazing upon Your generosity?</a:t>
             </a:r>
           </a:p>
         </p:txBody>
@@ -6446,7 +6466,14 @@
             </a:r>
             <a:r>
               <a:rPr lang="ar-SA" dirty="0"/>
-              <a:t> وَمَولَايَ أُقْسِمُ صَادِقاً لَئِنْ تَرَكتَنِي نَاطِقاً</a:t>
+              <a:t> وَمَولَايَ</a:t>
+            </a:r>
+            <a:br>
+              <a:rPr lang="ar-SA" dirty="0"/>
+            </a:br>
+            <a:r>
+              <a:rPr lang="ar-SA" dirty="0"/>
+              <a:t>أُقْسِمُ صَادِقاً لَئِنْ تَرَكتَنِي نَاطِقاً</a:t>
             </a:r>
           </a:p>
         </p:txBody>
@@ -6487,15 +6514,7 @@
             </a:r>
             <a:r>
               <a:rPr lang="en-US" dirty="0"/>
-              <a:t> might, my Master and my protector, I swear sincerely, if You </a:t>
-            </a:r>
-            <a:r>
-              <a:rPr lang="en-US" dirty="0" err="1"/>
-              <a:t>leavest</a:t>
-            </a:r>
-            <a:r>
-              <a:rPr lang="en-US" dirty="0"/>
-              <a:t> me with speech,</a:t>
+              <a:t> might, my Master and my protector, I swear sincerely, if You leave me with speech,</a:t>
             </a:r>
           </a:p>
         </p:txBody>
@@ -7548,7 +7567,14 @@
             </a:r>
             <a:r>
               <a:rPr lang="ar-SA" dirty="0"/>
-              <a:t> إِلٰهِي وَبِحَمْدِكَ تَسْمَعُ </a:t>
+              <a:t> إِلٰهِي وَبِحَمْدِكَ</a:t>
+            </a:r>
+            <a:br>
+              <a:rPr lang="ar-SA" dirty="0"/>
+            </a:br>
+            <a:r>
+              <a:rPr lang="ar-SA" dirty="0"/>
+              <a:t>تَسْمَعُ </a:t>
             </a:r>
             <a:r>
               <a:rPr lang="ar-SA" dirty="0" err="1"/>
@@ -7579,8 +7605,8 @@
         </p:nvSpPr>
         <p:spPr>
           <a:xfrm>
-            <a:off x="2171700" y="4495801"/>
-            <a:ext cx="7848600" cy="1905000"/>
+            <a:off x="1829594" y="4495801"/>
+            <a:ext cx="8532812" cy="1905000"/>
           </a:xfrm>
         </p:spPr>
         <p:txBody>
@@ -7589,7 +7615,7 @@
           <a:p>
             <a:r>
               <a:rPr lang="en-US" dirty="0"/>
-              <a:t>Canst You see Yourself — Glory be to You My God, and Thine is the praised — hearing within the Fire the voice of a slave surrendered to You,</a:t>
+              <a:t>Can You see Yourself — Glory be to You My God, and Thine is the praise — hearing within the Fire the voice of a slave surrendered to You,</a:t>
             </a:r>
           </a:p>
         </p:txBody>
@@ -7919,15 +7945,7 @@
           <a:p>
             <a:r>
               <a:rPr lang="en-US" dirty="0"/>
-              <a:t>Tasting the </a:t>
-            </a:r>
-            <a:r>
-              <a:rPr lang="en-US" dirty="0" err="1"/>
-              <a:t>favour</a:t>
-            </a:r>
-            <a:r>
-              <a:rPr lang="en-US" dirty="0"/>
-              <a:t> of its torment because of his disobedience,</a:t>
+              <a:t>Tasting the favor of its torment because of his disobedience,</a:t>
             </a:r>
           </a:p>
         </p:txBody>
@@ -8500,7 +8518,14 @@
             </a:r>
             <a:r>
               <a:rPr lang="ar-SA" dirty="0"/>
-              <a:t> الْعَذَابِ وَهُوَ يَرْجُوا مَا سَلَفَ مِنْ حِلْمِكَ </a:t>
+              <a:t> الْعَذَابِ</a:t>
+            </a:r>
+            <a:br>
+              <a:rPr lang="ar-SA" dirty="0"/>
+            </a:br>
+            <a:r>
+              <a:rPr lang="ar-SA" dirty="0"/>
+              <a:t>وَهُوَ يَرْجُوا مَا سَلَفَ مِنْ حِلْمِكَ </a:t>
             </a:r>
           </a:p>
         </p:txBody>
@@ -8740,7 +8765,7 @@
             </a:r>
             <a:r>
               <a:rPr lang="ar-SA" dirty="0"/>
-              <a:t> مَكَانَهُ‌</a:t>
+              <a:t> مَكَانَهُ</a:t>
             </a:r>
           </a:p>
         </p:txBody>
@@ -8773,23 +8798,7 @@
           <a:p>
             <a:r>
               <a:rPr lang="en-US" dirty="0"/>
-              <a:t>Or how should its flames burn him, while You </a:t>
-            </a:r>
-            <a:r>
-              <a:rPr lang="en-US" dirty="0" err="1"/>
-              <a:t>hearest</a:t>
-            </a:r>
-            <a:r>
-              <a:rPr lang="en-US" dirty="0"/>
-              <a:t> his voice and </a:t>
-            </a:r>
-            <a:r>
-              <a:rPr lang="en-US" dirty="0" err="1"/>
-              <a:t>seest</a:t>
-            </a:r>
-            <a:r>
-              <a:rPr lang="en-US" dirty="0"/>
-              <a:t> his place?</a:t>
+              <a:t>Or how should its flames burn him, while You hear his voice and see his place?</a:t>
             </a:r>
           </a:p>
         </p:txBody>
@@ -8925,15 +8934,7 @@
           <a:p>
             <a:r>
               <a:rPr lang="en-US" dirty="0"/>
-              <a:t>Or how should its groaning encompass him, while You </a:t>
-            </a:r>
-            <a:r>
-              <a:rPr lang="en-US" dirty="0" err="1"/>
-              <a:t>knowest</a:t>
-            </a:r>
-            <a:r>
-              <a:rPr lang="en-US" dirty="0"/>
-              <a:t> his weakness?</a:t>
+              <a:t>Or how should its groaning encompass him, while You know his weakness?</a:t>
             </a:r>
           </a:p>
         </p:txBody>
@@ -9137,7 +9138,7 @@
             </a:r>
             <a:r>
               <a:rPr lang="ar-SA" dirty="0"/>
-              <a:t> أَطْبَاقِهَا وَأَنْتَ تَعْلَمُ صِدْقَهُ‌</a:t>
+              <a:t> أَطْبَاقِهَا وَأَنْتَ تَعْلَمُ صِدْقَهُ</a:t>
             </a:r>
           </a:p>
         </p:txBody>
@@ -9170,15 +9171,7 @@
           <a:p>
             <a:r>
               <a:rPr lang="en-US" dirty="0"/>
-              <a:t>Or how should he be convulsed among its levels, while You </a:t>
-            </a:r>
-            <a:r>
-              <a:rPr lang="en-US" dirty="0" err="1"/>
-              <a:t>knowest</a:t>
-            </a:r>
-            <a:r>
-              <a:rPr lang="en-US" dirty="0"/>
-              <a:t> his sincerity?</a:t>
+              <a:t>Or how should he be convulsed among its levels, while You know his sincerity?</a:t>
             </a:r>
           </a:p>
         </p:txBody>
@@ -9273,7 +9266,7 @@
             </a:r>
             <a:r>
               <a:rPr lang="ar-SA" dirty="0"/>
-              <a:t> رَبَّهُ‌</a:t>
+              <a:t> رَبَّهُ</a:t>
             </a:r>
           </a:p>
         </p:txBody>
@@ -9439,15 +9432,7 @@
           <a:p>
             <a:r>
               <a:rPr lang="en-US" dirty="0"/>
-              <a:t>Or how should he have hope of Your bounty in freeing him from it, while You </a:t>
-            </a:r>
-            <a:r>
-              <a:rPr lang="en-US" dirty="0" err="1"/>
-              <a:t>abandonest</a:t>
-            </a:r>
-            <a:r>
-              <a:rPr lang="en-US" dirty="0"/>
-              <a:t> him within it?</a:t>
+              <a:t>Or how should he have hope of Your bounty in freeing him from it, while You abandon him within it?</a:t>
             </a:r>
           </a:p>
         </p:txBody>
@@ -9736,9 +9721,12 @@
               <a:rPr lang="ar-SA" dirty="0" err="1"/>
               <a:t>الْمُوَحِّدِینَ</a:t>
             </a:r>
-            <a:r>
-              <a:rPr lang="ar-SA" dirty="0"/>
-              <a:t> مِنْ بِرِّكَ وَإِحْسَانِكَ</a:t>
+            <a:br>
+              <a:rPr lang="ar-SA" dirty="0"/>
+            </a:br>
+            <a:r>
+              <a:rPr lang="ar-SA" dirty="0"/>
+              <a:t>مِنْ بِرِّكَ وَإِحْسَانِكَ</a:t>
             </a:r>
           </a:p>
         </p:txBody>
@@ -9846,7 +9834,14 @@
             </a:r>
             <a:r>
               <a:rPr lang="ar-SA" dirty="0"/>
-              <a:t> أَقْطَعُ لَوْ لَا مَا حَكَمْتَ بِهِ مِنْ </a:t>
+              <a:t> أَقْطَعُ لَوْ لَا مَا حَكَمْتَ بِهِ</a:t>
+            </a:r>
+            <a:br>
+              <a:rPr lang="ar-SA" dirty="0"/>
+            </a:br>
+            <a:r>
+              <a:rPr lang="ar-SA" dirty="0"/>
+              <a:t>مِنْ </a:t>
             </a:r>
             <a:r>
               <a:rPr lang="ar-SA" dirty="0" err="1"/>
@@ -10408,7 +10403,14 @@
           <a:p>
             <a:r>
               <a:rPr lang="ar-SA" dirty="0"/>
-              <a:t>لكِنَّكَ تَقَدَّسَتْ أَسْمَاؤُكَ أَقْسَمْتَ أَنْ تَمْلَأَهَا مِنَ </a:t>
+              <a:t>لكِنَّكَ تَقَدَّسَتْ أَسْمَاؤُكَ</a:t>
+            </a:r>
+            <a:br>
+              <a:rPr lang="ar-SA" dirty="0"/>
+            </a:br>
+            <a:r>
+              <a:rPr lang="ar-SA" dirty="0"/>
+              <a:t>أَقْسَمْتَ أَنْ تَمْلَأَهَا مِنَ </a:t>
             </a:r>
             <a:r>
               <a:rPr lang="ar-SA" dirty="0" err="1"/>
@@ -10446,15 +10448,7 @@
           <a:p>
             <a:r>
               <a:rPr lang="en-US" dirty="0"/>
-              <a:t>But You—holy are Your Names—hast sworn that You </a:t>
-            </a:r>
-            <a:r>
-              <a:rPr lang="en-US" dirty="0" err="1"/>
-              <a:t>wilt</a:t>
-            </a:r>
-            <a:r>
-              <a:rPr lang="en-US" dirty="0"/>
-              <a:t> fill it with the unbelievers,</a:t>
+              <a:t>But You—holy are Your Names—hast sworn that You will fill it with the unbelievers,</a:t>
             </a:r>
           </a:p>
         </p:txBody>
@@ -10751,7 +10745,14 @@
           <a:p>
             <a:r>
               <a:rPr lang="ar-SA" dirty="0"/>
-              <a:t>وَأَنْتَ جَلَّ ثَنَاؤُكَ قُلْتَ مُبْتَدِئاً وَتَطَوَّلْتَ بِالْإِنْعَامِ مُتَكَـرِّماً:</a:t>
+              <a:t>وَأَنْتَ جَلَّ ثَنَاؤُكَ قُلْتَ مُبْتَدِئاً</a:t>
+            </a:r>
+            <a:br>
+              <a:rPr lang="ar-SA" dirty="0"/>
+            </a:br>
+            <a:r>
+              <a:rPr lang="ar-SA" dirty="0"/>
+              <a:t>وَتَطَوَّلْتَ بِالْإِنْعَامِ مُتَكَرِّماً:</a:t>
             </a:r>
           </a:p>
         </p:txBody>
@@ -10784,23 +10785,7 @@
           <a:p>
             <a:r>
               <a:rPr lang="en-US" dirty="0"/>
-              <a:t>And You— majestic is Your eulogy— said at the beginning and </a:t>
-            </a:r>
-            <a:r>
-              <a:rPr lang="en-US" dirty="0" err="1"/>
-              <a:t>wernt</a:t>
-            </a:r>
-            <a:r>
-              <a:rPr lang="en-US" dirty="0"/>
-              <a:t> gracious through kindness as a </a:t>
-            </a:r>
-            <a:r>
-              <a:rPr lang="en-US" dirty="0" err="1"/>
-              <a:t>favour</a:t>
-            </a:r>
-            <a:r>
-              <a:rPr lang="en-US" dirty="0"/>
-              <a:t>,</a:t>
+              <a:t>And You— majestic is Your eulogy— said at the beginning and were gracious through kindness as a favor,</a:t>
             </a:r>
           </a:p>
         </p:txBody>
@@ -11120,7 +11105,14 @@
             </a:r>
             <a:r>
               <a:rPr lang="ar-SA" dirty="0"/>
-              <a:t> حَتَمْتَها وَحَكَمْتَها وَغَلَبْتَ مَنْ </a:t>
+              <a:t> حَتَمْتَها وَحَكَمْتَها</a:t>
+            </a:r>
+            <a:br>
+              <a:rPr lang="ar-SA" dirty="0"/>
+            </a:br>
+            <a:r>
+              <a:rPr lang="ar-SA" dirty="0"/>
+              <a:t>وَغَلَبْتَ مَنْ </a:t>
             </a:r>
             <a:r>
               <a:rPr lang="ar-SA" dirty="0" err="1"/>
@@ -11159,8 +11151,8 @@
         </p:nvSpPr>
         <p:spPr>
           <a:xfrm>
-            <a:off x="2171700" y="4495801"/>
-            <a:ext cx="7848600" cy="1905000"/>
+            <a:off x="1721582" y="4495801"/>
+            <a:ext cx="8748836" cy="1905000"/>
           </a:xfrm>
         </p:spPr>
         <p:txBody>
@@ -12158,7 +12150,7 @@
           <a:p>
             <a:r>
               <a:rPr lang="en-US" dirty="0"/>
-              <a:t>And every evil act which You hast commanded the Noble Writers to record,</a:t>
+              <a:t>And every evil act which You have commanded the Noble Writers to record,</a:t>
             </a:r>
           </a:p>
         </p:txBody>
@@ -12274,7 +12266,7 @@
           <a:p>
             <a:r>
               <a:rPr lang="en-US" dirty="0"/>
-              <a:t>Those whom You hast appointed to watch over what appears from me</a:t>
+              <a:t>Those whom You have appointed to watch over what appears from me</a:t>
             </a:r>
           </a:p>
         </p:txBody>
@@ -12378,7 +12370,7 @@
           <a:p>
             <a:r>
               <a:rPr lang="en-US" dirty="0"/>
-              <a:t>And whom You hast made, along with my bodily members, witness against me.</a:t>
+              <a:t>And whom You have made, along with my bodily members, witness against me.</a:t>
             </a:r>
           </a:p>
         </p:txBody>
@@ -12490,15 +12482,7 @@
           <a:p>
             <a:r>
               <a:rPr lang="en-US" dirty="0"/>
-              <a:t>And You </a:t>
-            </a:r>
-            <a:r>
-              <a:rPr lang="en-US" dirty="0" err="1"/>
-              <a:t>wast</a:t>
-            </a:r>
-            <a:r>
-              <a:rPr lang="en-US" dirty="0"/>
-              <a:t> Yourself the Watcher over me from behind them,</a:t>
+              <a:t>And You were Yourself the Watcher over me from behind them,</a:t>
             </a:r>
           </a:p>
         </p:txBody>
@@ -13045,23 +13029,7 @@
           <a:p>
             <a:r>
               <a:rPr lang="en-US" dirty="0"/>
-              <a:t>[And I ask You] that You </a:t>
-            </a:r>
-            <a:r>
-              <a:rPr lang="en-US" dirty="0" err="1"/>
-              <a:t>bestowest</a:t>
-            </a:r>
-            <a:r>
-              <a:rPr lang="en-US" dirty="0"/>
-              <a:t> upon me an abundant share of every good You </a:t>
-            </a:r>
-            <a:r>
-              <a:rPr lang="en-US" dirty="0" err="1"/>
-              <a:t>sendest</a:t>
-            </a:r>
-            <a:r>
-              <a:rPr lang="en-US" dirty="0"/>
-              <a:t> down,</a:t>
+              <a:t>[And I ask You] that You bestow upon me an abundant share of every good You send down,</a:t>
             </a:r>
           </a:p>
         </p:txBody>
@@ -13165,15 +13133,7 @@
           <a:p>
             <a:r>
               <a:rPr lang="en-US" dirty="0"/>
-              <a:t>Or kindness You </a:t>
-            </a:r>
-            <a:r>
-              <a:rPr lang="en-US" dirty="0" err="1"/>
-              <a:t>conferrest</a:t>
-            </a:r>
-            <a:r>
-              <a:rPr lang="en-US" dirty="0"/>
-              <a:t>,</a:t>
+              <a:t>Or kindness You confer,</a:t>
             </a:r>
           </a:p>
         </p:txBody>
@@ -13281,15 +13241,7 @@
           <a:p>
             <a:r>
               <a:rPr lang="en-US" dirty="0"/>
-              <a:t>Or goodness You </a:t>
-            </a:r>
-            <a:r>
-              <a:rPr lang="en-US" dirty="0" err="1"/>
-              <a:t>unfoldest</a:t>
-            </a:r>
-            <a:r>
-              <a:rPr lang="en-US" dirty="0"/>
-              <a:t>,</a:t>
+              <a:t>Or goodness You unfold,</a:t>
             </a:r>
           </a:p>
         </p:txBody>
@@ -13397,15 +13349,7 @@
           <a:p>
             <a:r>
               <a:rPr lang="en-US" dirty="0"/>
-              <a:t>Or provision You </a:t>
-            </a:r>
-            <a:r>
-              <a:rPr lang="en-US" dirty="0" err="1"/>
-              <a:t>spreadest</a:t>
-            </a:r>
-            <a:r>
-              <a:rPr lang="en-US" dirty="0"/>
-              <a:t> out,</a:t>
+              <a:t>Or provision You spread out,</a:t>
             </a:r>
           </a:p>
         </p:txBody>
@@ -13513,15 +13457,7 @@
           <a:p>
             <a:r>
               <a:rPr lang="en-US" dirty="0"/>
-              <a:t>Or sin You </a:t>
-            </a:r>
-            <a:r>
-              <a:rPr lang="en-US" dirty="0" err="1"/>
-              <a:t>forgivest</a:t>
-            </a:r>
-            <a:r>
-              <a:rPr lang="en-US" dirty="0"/>
-              <a:t>,</a:t>
+              <a:t>Or sin You forgive,</a:t>
             </a:r>
           </a:p>
         </p:txBody>
@@ -13637,7 +13573,7 @@
             </a:r>
             <a:r>
               <a:rPr lang="en-US" dirty="0" err="1"/>
-              <a:t>coverest</a:t>
+              <a:t>covere</a:t>
             </a:r>
             <a:r>
               <a:rPr lang="en-US" dirty="0"/>
@@ -14792,15 +14728,7 @@
           <a:p>
             <a:r>
               <a:rPr lang="en-US" dirty="0"/>
-              <a:t>That You </a:t>
-            </a:r>
-            <a:r>
-              <a:rPr lang="en-US" dirty="0" err="1"/>
-              <a:t>makest</a:t>
-            </a:r>
-            <a:r>
-              <a:rPr lang="en-US" dirty="0"/>
-              <a:t> my times in the night and the day inhabited by Your remembrance,</a:t>
+              <a:t>That You make my times in the night and the day inhabited by Your remembrance,</a:t>
             </a:r>
           </a:p>
         </p:txBody>
@@ -15333,15 +15261,7 @@
           <a:p>
             <a:r>
               <a:rPr lang="en-US" dirty="0"/>
-              <a:t>O' </a:t>
-            </a:r>
-            <a:r>
-              <a:rPr lang="en-US" dirty="0" err="1"/>
-              <a:t>Alláh</a:t>
-            </a:r>
-            <a:r>
-              <a:rPr lang="en-US" dirty="0"/>
-              <a:t> send Your blessings on Muhammad</a:t>
+              <a:t>O Allah send Your blessings on Muhammad</a:t>
             </a:r>
           </a:p>
           <a:p>
@@ -15355,7 +15275,7 @@
     </p:spTree>
     <p:extLst>
       <p:ext uri="{BB962C8B-B14F-4D97-AF65-F5344CB8AC3E}">
-        <p14:creationId xmlns:p14="http://schemas.microsoft.com/office/powerpoint/2010/main" val="2750311489"/>
+        <p14:creationId xmlns:p14="http://schemas.microsoft.com/office/powerpoint/2010/main" val="2707577324"/>
       </p:ext>
     </p:extLst>
   </p:cSld>
@@ -15364,14 +15284,10 @@
   </p:clrMapOvr>
   <mc:AlternateContent xmlns:mc="http://schemas.openxmlformats.org/markup-compatibility/2006" xmlns:p14="http://schemas.microsoft.com/office/powerpoint/2010/main">
     <mc:Choice Requires="p14">
-      <p:transition p14:dur="300">
-        <p:fade/>
-      </p:transition>
+      <p:transition p14:dur="0"/>
     </mc:Choice>
     <mc:Fallback xmlns="">
-      <p:transition>
-        <p:fade/>
-      </p:transition>
+      <p:transition/>
     </mc:Fallback>
   </mc:AlternateContent>
 </p:sld>
@@ -16310,6 +16226,7 @@
               <a:rPr lang="en-US" dirty="0"/>
               <a:t>And continuity in my being joined to Your service</a:t>
             </a:r>
+            <a:endParaRPr lang="ar-SA" dirty="0"/>
           </a:p>
         </p:txBody>
       </p:sp>
@@ -17357,7 +17274,7 @@
           <a:p>
             <a:r>
               <a:rPr lang="en-US" dirty="0"/>
-              <a:t>whoever deceives me-deceive him!</a:t>
+              <a:t>whoever deceives me, deceive him!</a:t>
             </a:r>
           </a:p>
         </p:txBody>
@@ -18130,13 +18047,8 @@
           <a:p>
             <a:r>
               <a:rPr lang="en-US" dirty="0"/>
-              <a:t>And incline toward me with Your </a:t>
-            </a:r>
-            <a:r>
-              <a:rPr lang="en-US" dirty="0" err="1"/>
-              <a:t>splendour</a:t>
-            </a:r>
-            <a:endParaRPr lang="en-US" dirty="0"/>
+              <a:t>And incline toward me with Your splendor</a:t>
+            </a:r>
           </a:p>
         </p:txBody>
       </p:sp>
@@ -18555,15 +18467,7 @@
           <a:p>
             <a:r>
               <a:rPr lang="en-US" dirty="0"/>
-              <a:t>And be gracious to me by answering me </a:t>
-            </a:r>
-            <a:r>
-              <a:rPr lang="en-US" dirty="0" err="1"/>
-              <a:t>favourably</a:t>
-            </a:r>
-            <a:r>
-              <a:rPr lang="en-US" dirty="0"/>
-              <a:t>,</a:t>
+              <a:t>And be gracious to me by answering me favorably,</a:t>
             </a:r>
           </a:p>
         </p:txBody>
@@ -20222,7 +20126,7 @@
           <a:p>
             <a:r>
               <a:rPr lang="en-US" dirty="0"/>
-              <a:t>For You dost what You wilt.</a:t>
+              <a:t>For You do what You will.</a:t>
             </a:r>
           </a:p>
         </p:txBody>
@@ -21499,7 +21403,7 @@
           <a:p>
             <a:r>
               <a:rPr lang="ar-SA" dirty="0"/>
-              <a:t>وَافْعَلْ بِي ‌مَا أَنْتَ أَهْلُهُ</a:t>
+              <a:t>وَافْعَلْ بِي مَا أَنْتَ أَهْلُهُ</a:t>
             </a:r>
           </a:p>
         </p:txBody>
@@ -21952,8 +21856,12 @@
           <a:lstStyle/>
           <a:p>
             <a:r>
-              <a:rPr lang="ar-SA" dirty="0"/>
-              <a:t>اَللَّهُمَّ صَلِّ عَلٰى مُحَمَّدٍ وَآلِ مُحَمَّدٍ</a:t>
+              <a:rPr lang="ar-SA"/>
+              <a:t>أَللّٰهُمَّ </a:t>
+            </a:r>
+            <a:r>
+              <a:rPr lang="ar-SA" dirty="0"/>
+              <a:t>صَلِّ عَلٰى مُحَمَّدٍ وَآلِ مُحَمَّدٍ</a:t>
             </a:r>
             <a:endParaRPr lang="en-US" dirty="0"/>
           </a:p>
@@ -21987,15 +21895,7 @@
           <a:p>
             <a:r>
               <a:rPr lang="en-US" dirty="0"/>
-              <a:t>O' </a:t>
-            </a:r>
-            <a:r>
-              <a:rPr lang="en-US" dirty="0" err="1"/>
-              <a:t>Alláh</a:t>
-            </a:r>
-            <a:r>
-              <a:rPr lang="en-US" dirty="0"/>
-              <a:t> send Your blessings on Muhammad</a:t>
+              <a:t>O Allah send Your blessings on Muhammad</a:t>
             </a:r>
           </a:p>
           <a:p>
@@ -22610,7 +22510,7 @@
           <a:p>
             <a:r>
               <a:rPr lang="ar-SA" dirty="0"/>
-              <a:t>بِسْمِ اللّٰهِ الرَّحْمٰنِ الرَّحِيمِ</a:t>
+              <a:t>بِسْمِ اللَّهِ الرَّحْمٰنِ الرَّحِيمِ</a:t>
             </a:r>
             <a:endParaRPr lang="en-US" dirty="0"/>
           </a:p>
@@ -22670,14 +22570,10 @@
   </p:clrMapOvr>
   <mc:AlternateContent xmlns:mc="http://schemas.openxmlformats.org/markup-compatibility/2006" xmlns:p14="http://schemas.microsoft.com/office/powerpoint/2010/main">
     <mc:Choice Requires="p14">
-      <p:transition p14:dur="300">
-        <p:fade/>
-      </p:transition>
+      <p:transition p14:dur="0"/>
     </mc:Choice>
     <mc:Fallback xmlns="">
-      <p:transition>
-        <p:fade/>
-      </p:transition>
+      <p:transition/>
     </mc:Fallback>
   </mc:AlternateContent>
 </p:sld>
@@ -22728,7 +22624,14 @@
           <a:p>
             <a:r>
               <a:rPr lang="ar-SA" dirty="0"/>
-              <a:t>اَللّٰهُمَّ  إِنِّي أَسْأَلُكَ سُؤَالَ خَاضِعٍ مُّتَذَلِّلٍ خَاشِعٍ أَنْ تُسَامِحَنِي وَتَرْحَمَنِي</a:t>
+              <a:t>اَللّٰهُمَّ  إِنِّي أَسْأَلُكَ سُؤَالَ خَاضِعٍ مُّتَذَلِّلٍ خَاشِعٍ</a:t>
+            </a:r>
+            <a:br>
+              <a:rPr lang="ar-SA" dirty="0"/>
+            </a:br>
+            <a:r>
+              <a:rPr lang="ar-SA" dirty="0"/>
+              <a:t>أَنْ تُسَامِحَنِي وَتَرْحَمَنِي</a:t>
             </a:r>
           </a:p>
         </p:txBody>
@@ -22840,11 +22743,14 @@
             </a:r>
             <a:r>
               <a:rPr lang="ar-SA" dirty="0"/>
-              <a:t> قَانِعاً وَ </a:t>
-            </a:r>
-            <a:r>
-              <a:rPr lang="ar-SA" dirty="0" err="1"/>
-              <a:t>فِی</a:t>
+              <a:t> قَانِعاً</a:t>
+            </a:r>
+            <a:br>
+              <a:rPr lang="ar-SA" dirty="0"/>
+            </a:br>
+            <a:r>
+              <a:rPr lang="ar-SA" dirty="0" err="1"/>
+              <a:t>وَفِی</a:t>
             </a:r>
             <a:r>
               <a:rPr lang="ar-SA" dirty="0"/>
@@ -22960,7 +22866,7 @@
           <a:p>
             <a:r>
               <a:rPr lang="ar-SA" dirty="0"/>
-              <a:t>اَللّٰهُمَّ وَ أَسْأَلُكَ سُؤَالَ مَنِ اشْتَدَّتْ فَاقَتُهُ</a:t>
+              <a:t>اَللّٰهُمَّ وَأَسْأَلُكَ سُؤَالَ مَنِ اشْتَدَّتْ فَاقَتُهُ</a:t>
             </a:r>
           </a:p>
         </p:txBody>
@@ -24593,8 +24499,8 @@
         </p:nvSpPr>
         <p:spPr>
           <a:xfrm>
-            <a:off x="2171700" y="4495801"/>
-            <a:ext cx="7848600" cy="1905000"/>
+            <a:off x="2009614" y="4495801"/>
+            <a:ext cx="8172772" cy="1905000"/>
           </a:xfrm>
         </p:spPr>
         <p:txBody>
@@ -24603,15 +24509,7 @@
           <a:p>
             <a:r>
               <a:rPr lang="en-US" dirty="0"/>
-              <a:t>And I have depended upon Your ancient remembrance of me and Your </a:t>
-            </a:r>
-            <a:r>
-              <a:rPr lang="en-US" dirty="0" err="1"/>
-              <a:t>favour</a:t>
-            </a:r>
-            <a:r>
-              <a:rPr lang="en-US" dirty="0"/>
-              <a:t> toward me.</a:t>
+              <a:t>And I have depended upon Your ancient remembrance of me and Your favor toward me.</a:t>
             </a:r>
           </a:p>
         </p:txBody>
@@ -25048,15 +24946,7 @@
           <a:p>
             <a:r>
               <a:rPr lang="en-US" dirty="0"/>
-              <a:t>And by Your strength, through which You </a:t>
-            </a:r>
-            <a:r>
-              <a:rPr lang="en-US" dirty="0" err="1"/>
-              <a:t>dominatest</a:t>
-            </a:r>
-            <a:r>
-              <a:rPr lang="en-US" dirty="0"/>
-              <a:t> all things,</a:t>
+              <a:t>And by Your strength, through which You dominate all things,</a:t>
             </a:r>
           </a:p>
         </p:txBody>
@@ -26006,8 +25896,8 @@
         </p:nvSpPr>
         <p:spPr>
           <a:xfrm>
-            <a:off x="2171700" y="4495801"/>
-            <a:ext cx="7848600" cy="1905000"/>
+            <a:off x="1901602" y="4495801"/>
+            <a:ext cx="8388796" cy="1905000"/>
           </a:xfrm>
         </p:spPr>
         <p:txBody>
@@ -26099,7 +25989,14 @@
             </a:r>
             <a:r>
               <a:rPr lang="ar-SA" dirty="0"/>
-              <a:t> فَأَسْأَلُكَ بِعِزَّتِكَ أَنْ </a:t>
+              <a:t> فَأَسْأَلُكَ بِعِزَّتِكَ</a:t>
+            </a:r>
+            <a:br>
+              <a:rPr lang="ar-SA" dirty="0"/>
+            </a:br>
+            <a:r>
+              <a:rPr lang="ar-SA" dirty="0"/>
+              <a:t>أَنْ </a:t>
             </a:r>
             <a:r>
               <a:rPr lang="ar-SA" dirty="0" err="1"/>
@@ -26361,15 +26258,7 @@
           <a:p>
             <a:r>
               <a:rPr lang="en-US" dirty="0"/>
-              <a:t>And not to disgrace me through the hidden things You </a:t>
-            </a:r>
-            <a:r>
-              <a:rPr lang="en-US" dirty="0" err="1"/>
-              <a:t>knowest</a:t>
-            </a:r>
-            <a:r>
-              <a:rPr lang="en-US" dirty="0"/>
-              <a:t> of my secrets</a:t>
+              <a:t>And not to disgrace me through the hidden things You know of my secrets</a:t>
             </a:r>
           </a:p>
         </p:txBody>
@@ -26872,15 +26761,7 @@
           <a:p>
             <a:r>
               <a:rPr lang="ar-SA" dirty="0"/>
-              <a:t>وَكُنِ اللّٰهُمَّ بِعِزَّتِكَ لِي </a:t>
-            </a:r>
-            <a:r>
-              <a:rPr lang="ar-SA" dirty="0" err="1"/>
-              <a:t>فِی</a:t>
-            </a:r>
-            <a:r>
-              <a:rPr lang="ar-SA" dirty="0"/>
-              <a:t> كُلِّ الْأَحْوَالِ </a:t>
+              <a:t>وَكُنِ اللّٰهُمَّ بِعِزَّتِكَ لِي فِي كُلِّ الْأَحْوَالِ </a:t>
             </a:r>
             <a:r>
               <a:rPr lang="ar-SA" dirty="0" err="1"/>
@@ -26997,15 +26878,7 @@
           <a:p>
             <a:r>
               <a:rPr lang="ar-SA" dirty="0"/>
-              <a:t>وَعَلَيَّ </a:t>
-            </a:r>
-            <a:r>
-              <a:rPr lang="ar-SA" dirty="0" err="1"/>
-              <a:t>فِی</a:t>
-            </a:r>
-            <a:r>
-              <a:rPr lang="ar-SA" dirty="0"/>
-              <a:t> جَمِيعِ الْأُمُورِ عَطُوفاً</a:t>
+              <a:t>وَعَلَيَّ فِي جَمِيعِ الْأُمُورِ عَطُوفاً</a:t>
             </a:r>
           </a:p>
         </p:txBody>
@@ -27107,9 +26980,17 @@
           <a:bodyPr/>
           <a:lstStyle/>
           <a:p>
-            <a:r>
-              <a:rPr lang="ar-SA" dirty="0"/>
-              <a:t>إِلٰهِي وَرَبِّي مَنْ لِي </a:t>
+            <a:pPr rtl="1"/>
+            <a:r>
+              <a:rPr lang="ar-SA" dirty="0"/>
+              <a:t>إِلٰهِي وَرَبِّي</a:t>
+            </a:r>
+            <a:br>
+              <a:rPr lang="ar-SA" dirty="0"/>
+            </a:br>
+            <a:r>
+              <a:rPr lang="ar-SA" dirty="0"/>
+              <a:t>مَنْ لِي </a:t>
             </a:r>
             <a:r>
               <a:rPr lang="ar-SA" dirty="0" err="1"/>
@@ -27237,8 +27118,11 @@
           <a:p>
             <a:r>
               <a:rPr lang="ar-SA" dirty="0"/>
-              <a:t>إِلٰهِي وَ مَولَايَ </a:t>
-            </a:r>
+              <a:t>إِلٰهِي وَمَولَايَ</a:t>
+            </a:r>
+            <a:br>
+              <a:rPr lang="ar-SA" dirty="0"/>
+            </a:br>
             <a:r>
               <a:rPr lang="ar-SA" dirty="0" err="1"/>
               <a:t>أَجْرَیتَ</a:t>
@@ -27643,15 +27527,7 @@
           <a:p>
             <a:r>
               <a:rPr lang="en-US" dirty="0"/>
-              <a:t>So he deluded me through my soul's caprice and therein destiny </a:t>
-            </a:r>
-            <a:r>
-              <a:rPr lang="en-US" dirty="0" err="1"/>
-              <a:t>favoured</a:t>
-            </a:r>
-            <a:r>
-              <a:rPr lang="en-US" dirty="0"/>
-              <a:t> him</a:t>
+              <a:t>So he deluded me through my soul's caprice and therein destiny favored him</a:t>
             </a:r>
           </a:p>
         </p:txBody>
@@ -28345,8 +28221,8 @@
         </p:nvSpPr>
         <p:spPr>
           <a:xfrm>
-            <a:off x="2171700" y="4495801"/>
-            <a:ext cx="7848600" cy="1905000"/>
+            <a:off x="1793590" y="4495801"/>
+            <a:ext cx="8604820" cy="1905000"/>
           </a:xfrm>
         </p:spPr>
         <p:txBody>
@@ -28789,15 +28665,7 @@
           <a:p>
             <a:r>
               <a:rPr lang="en-US" dirty="0"/>
-              <a:t>And by Your invincibility through which You </a:t>
-            </a:r>
-            <a:r>
-              <a:rPr lang="en-US" dirty="0" err="1"/>
-              <a:t>overwhelmest</a:t>
-            </a:r>
-            <a:r>
-              <a:rPr lang="en-US" dirty="0"/>
-              <a:t> all things,</a:t>
+              <a:t>And by Your invincibility through which You overwhelm all things,</a:t>
             </a:r>
           </a:p>
         </p:txBody>
@@ -29005,13 +28873,7 @@
           <a:p>
             <a:r>
               <a:rPr lang="en-US" dirty="0"/>
-              <a:t>I find no place to flee from what occurred through</a:t>
-            </a:r>
-          </a:p>
-          <a:p>
-            <a:r>
-              <a:rPr lang="en-US" dirty="0"/>
-              <a:t>me,</a:t>
+              <a:t>I find no place to flee from what occurred through me,</a:t>
             </a:r>
           </a:p>
         </p:txBody>
@@ -29198,7 +29060,14 @@
             </a:r>
             <a:r>
               <a:rPr lang="ar-SA" dirty="0"/>
-              <a:t> قَبُولِكَ عُذْرِي وَإِدْخَالِكَ </a:t>
+              <a:t> قَبُولِكَ عُذْرِي</a:t>
+            </a:r>
+            <a:br>
+              <a:rPr lang="ar-SA" dirty="0"/>
+            </a:br>
+            <a:r>
+              <a:rPr lang="ar-SA" dirty="0"/>
+              <a:t>وَإِدْخَالِكَ </a:t>
             </a:r>
             <a:r>
               <a:rPr lang="ar-SA" dirty="0" err="1"/>
@@ -29237,8 +29106,8 @@
         </p:nvSpPr>
         <p:spPr>
           <a:xfrm>
-            <a:off x="2171700" y="4495801"/>
-            <a:ext cx="7848600" cy="1905000"/>
+            <a:off x="1829594" y="4495801"/>
+            <a:ext cx="8532812" cy="1905000"/>
           </a:xfrm>
         </p:spPr>
         <p:txBody>
@@ -29634,7 +29503,14 @@
             </a:r>
             <a:r>
               <a:rPr lang="ar-SA" dirty="0"/>
-              <a:t> رَبِّ ارْحَمْ ضَعْفَ بَدَنِي وَرِقَّةَ جِلْدِي وَدِقَّةَ عَظْمِي</a:t>
+              <a:t> رَبِّ ارْحَمْ ضَعْفَ بَدَنِي</a:t>
+            </a:r>
+            <a:br>
+              <a:rPr lang="ar-SA" dirty="0"/>
+            </a:br>
+            <a:r>
+              <a:rPr lang="ar-SA" dirty="0"/>
+              <a:t>وَرِقَّةَ جِلْدِي وَدِقَّةَ عَظْمِي</a:t>
             </a:r>
           </a:p>
         </p:txBody>
@@ -29742,8 +29618,11 @@
             </a:r>
             <a:r>
               <a:rPr lang="ar-SA" dirty="0"/>
-              <a:t> مَنْ بَدَأَ خَلْقِي وَذِكرِي </a:t>
-            </a:r>
+              <a:t> مَنْ بَدَأَ خَلْقِي وَذِكرِي</a:t>
+            </a:r>
+            <a:br>
+              <a:rPr lang="ar-SA" dirty="0"/>
+            </a:br>
             <a:r>
               <a:rPr lang="ar-SA" dirty="0" err="1"/>
               <a:t>وَتَرْبِيَتِی</a:t>
@@ -29778,8 +29657,8 @@
         </p:nvSpPr>
         <p:spPr>
           <a:xfrm>
-            <a:off x="2171700" y="4495801"/>
-            <a:ext cx="7848600" cy="1905000"/>
+            <a:off x="1505558" y="4495801"/>
+            <a:ext cx="9180884" cy="1905000"/>
           </a:xfrm>
         </p:spPr>
         <p:txBody>
@@ -29859,7 +29738,7 @@
           <a:p>
             <a:r>
               <a:rPr lang="ar-SA" dirty="0"/>
-              <a:t>هَبْنِي لِابْتِدَاءِ كَـرَمِكَ وَسَالِفِ بِرِّكَ بِي‌</a:t>
+              <a:t>هَبْنِي لِابْتِدَاءِ كَرَمِكَ وَسَالِفِ بِرِّكَ بِي</a:t>
             </a:r>
           </a:p>
         </p:txBody>
@@ -30254,7 +30133,7 @@
           <a:p>
             <a:r>
               <a:rPr lang="en-US" dirty="0"/>
-              <a:t>Canst You see Yourself tormenting me with Your fire after I have professed Your Unity</a:t>
+              <a:t>Can You see Yourself tormenting me with Your fire after I have professed Your Unity</a:t>
             </a:r>
           </a:p>
         </p:txBody>
@@ -30661,7 +30540,14 @@
             </a:r>
             <a:r>
               <a:rPr lang="ar-SA" dirty="0"/>
-              <a:t> وَدُعَائِي خَاضِعاً </a:t>
+              <a:t> وَدُعَائِي</a:t>
+            </a:r>
+            <a:br>
+              <a:rPr lang="ar-SA" dirty="0"/>
+            </a:br>
+            <a:r>
+              <a:rPr lang="ar-SA" dirty="0"/>
+              <a:t>خَاضِعاً </a:t>
             </a:r>
             <a:r>
               <a:rPr lang="ar-SA" dirty="0" err="1"/>
@@ -30811,15 +30697,7 @@
           <a:p>
             <a:r>
               <a:rPr lang="en-US" dirty="0"/>
-              <a:t>Far be it from You! You art more generous than that You </a:t>
-            </a:r>
-            <a:r>
-              <a:rPr lang="en-US" dirty="0" err="1"/>
-              <a:t>shouldst</a:t>
-            </a:r>
-            <a:r>
-              <a:rPr lang="en-US" dirty="0"/>
-              <a:t> squander him whom You hast nurtured,</a:t>
+              <a:t>Far be it from You! You are more generous than that You should squander him whom You have nurtured,</a:t>
             </a:r>
           </a:p>
         </p:txBody>
@@ -30928,7 +30806,7 @@
           <a:p>
             <a:r>
               <a:rPr lang="en-US" dirty="0"/>
-              <a:t>Or banish him whom You hast brought nigh,</a:t>
+              <a:t>Or banish him whom You have brought nigh,</a:t>
             </a:r>
           </a:p>
         </p:txBody>
@@ -31037,7 +30915,7 @@
           <a:p>
             <a:r>
               <a:rPr lang="en-US" dirty="0"/>
-              <a:t>Or drive away him whom You hast given an abode</a:t>
+              <a:t>Or drive away him whom You have given an abode</a:t>
             </a:r>
           </a:p>
         </p:txBody>
@@ -31149,7 +31027,7 @@
           <a:p>
             <a:r>
               <a:rPr lang="en-US" dirty="0"/>
-              <a:t>Or submit to tribulation him whom You hast spared and shown mercy.</a:t>
+              <a:t>Or submit to tribulation him whom You have spared and shown mercy.</a:t>
             </a:r>
           </a:p>
         </p:txBody>
